--- a/컴퓨터 그래픽스 발표 프레젠테이션.pptx
+++ b/컴퓨터 그래픽스 발표 프레젠테이션.pptx
@@ -7,6 +7,7 @@
   <p:sldIdLst>
     <p:sldId id="256" r:id="rId2"/>
     <p:sldId id="257" r:id="rId3"/>
+    <p:sldId id="259" r:id="rId4"/>
   </p:sldIdLst>
   <p:sldSz cx="12192000" cy="6858000"/>
   <p:notesSz cx="6858000" cy="9144000"/>
@@ -105,6 +106,11 @@
       </a:defRPr>
     </a:lvl9pPr>
   </p:defaultTextStyle>
+  <p:extLst>
+    <p:ext uri="{EFAFB233-063F-42B5-8137-9DF3F51BA10A}">
+      <p15:sldGuideLst xmlns:p15="http://schemas.microsoft.com/office/powerpoint/2012/main"/>
+    </p:ext>
+  </p:extLst>
 </p:presentation>
 </file>
 
@@ -255,7 +261,7 @@
           <a:p>
             <a:fld id="{2CCCF72E-1945-4AE5-A6BE-49D2D2877B36}" type="datetimeFigureOut">
               <a:rPr lang="ko-KR" altLang="en-US" smtClean="0"/>
-              <a:t>2024-12-14</a:t>
+              <a:t>2024-12-15</a:t>
             </a:fld>
             <a:endParaRPr lang="ko-KR" altLang="en-US"/>
           </a:p>
@@ -453,7 +459,7 @@
           <a:p>
             <a:fld id="{2CCCF72E-1945-4AE5-A6BE-49D2D2877B36}" type="datetimeFigureOut">
               <a:rPr lang="ko-KR" altLang="en-US" smtClean="0"/>
-              <a:t>2024-12-14</a:t>
+              <a:t>2024-12-15</a:t>
             </a:fld>
             <a:endParaRPr lang="ko-KR" altLang="en-US"/>
           </a:p>
@@ -661,7 +667,7 @@
           <a:p>
             <a:fld id="{2CCCF72E-1945-4AE5-A6BE-49D2D2877B36}" type="datetimeFigureOut">
               <a:rPr lang="ko-KR" altLang="en-US" smtClean="0"/>
-              <a:t>2024-12-14</a:t>
+              <a:t>2024-12-15</a:t>
             </a:fld>
             <a:endParaRPr lang="ko-KR" altLang="en-US"/>
           </a:p>
@@ -859,7 +865,7 @@
           <a:p>
             <a:fld id="{2CCCF72E-1945-4AE5-A6BE-49D2D2877B36}" type="datetimeFigureOut">
               <a:rPr lang="ko-KR" altLang="en-US" smtClean="0"/>
-              <a:t>2024-12-14</a:t>
+              <a:t>2024-12-15</a:t>
             </a:fld>
             <a:endParaRPr lang="ko-KR" altLang="en-US"/>
           </a:p>
@@ -1134,7 +1140,7 @@
           <a:p>
             <a:fld id="{2CCCF72E-1945-4AE5-A6BE-49D2D2877B36}" type="datetimeFigureOut">
               <a:rPr lang="ko-KR" altLang="en-US" smtClean="0"/>
-              <a:t>2024-12-14</a:t>
+              <a:t>2024-12-15</a:t>
             </a:fld>
             <a:endParaRPr lang="ko-KR" altLang="en-US"/>
           </a:p>
@@ -1399,7 +1405,7 @@
           <a:p>
             <a:fld id="{2CCCF72E-1945-4AE5-A6BE-49D2D2877B36}" type="datetimeFigureOut">
               <a:rPr lang="ko-KR" altLang="en-US" smtClean="0"/>
-              <a:t>2024-12-14</a:t>
+              <a:t>2024-12-15</a:t>
             </a:fld>
             <a:endParaRPr lang="ko-KR" altLang="en-US"/>
           </a:p>
@@ -1811,7 +1817,7 @@
           <a:p>
             <a:fld id="{2CCCF72E-1945-4AE5-A6BE-49D2D2877B36}" type="datetimeFigureOut">
               <a:rPr lang="ko-KR" altLang="en-US" smtClean="0"/>
-              <a:t>2024-12-14</a:t>
+              <a:t>2024-12-15</a:t>
             </a:fld>
             <a:endParaRPr lang="ko-KR" altLang="en-US"/>
           </a:p>
@@ -1952,7 +1958,7 @@
           <a:p>
             <a:fld id="{2CCCF72E-1945-4AE5-A6BE-49D2D2877B36}" type="datetimeFigureOut">
               <a:rPr lang="ko-KR" altLang="en-US" smtClean="0"/>
-              <a:t>2024-12-14</a:t>
+              <a:t>2024-12-15</a:t>
             </a:fld>
             <a:endParaRPr lang="ko-KR" altLang="en-US"/>
           </a:p>
@@ -2065,7 +2071,7 @@
           <a:p>
             <a:fld id="{2CCCF72E-1945-4AE5-A6BE-49D2D2877B36}" type="datetimeFigureOut">
               <a:rPr lang="ko-KR" altLang="en-US" smtClean="0"/>
-              <a:t>2024-12-14</a:t>
+              <a:t>2024-12-15</a:t>
             </a:fld>
             <a:endParaRPr lang="ko-KR" altLang="en-US"/>
           </a:p>
@@ -2376,7 +2382,7 @@
           <a:p>
             <a:fld id="{2CCCF72E-1945-4AE5-A6BE-49D2D2877B36}" type="datetimeFigureOut">
               <a:rPr lang="ko-KR" altLang="en-US" smtClean="0"/>
-              <a:t>2024-12-14</a:t>
+              <a:t>2024-12-15</a:t>
             </a:fld>
             <a:endParaRPr lang="ko-KR" altLang="en-US"/>
           </a:p>
@@ -2664,7 +2670,7 @@
           <a:p>
             <a:fld id="{2CCCF72E-1945-4AE5-A6BE-49D2D2877B36}" type="datetimeFigureOut">
               <a:rPr lang="ko-KR" altLang="en-US" smtClean="0"/>
-              <a:t>2024-12-14</a:t>
+              <a:t>2024-12-15</a:t>
             </a:fld>
             <a:endParaRPr lang="ko-KR" altLang="en-US"/>
           </a:p>
@@ -2905,7 +2911,7 @@
           <a:p>
             <a:fld id="{2CCCF72E-1945-4AE5-A6BE-49D2D2877B36}" type="datetimeFigureOut">
               <a:rPr lang="ko-KR" altLang="en-US" smtClean="0"/>
-              <a:t>2024-12-14</a:t>
+              <a:t>2024-12-15</a:t>
             </a:fld>
             <a:endParaRPr lang="ko-KR" altLang="en-US"/>
           </a:p>
@@ -5650,6 +5656,42 @@
           </a:p>
         </p:txBody>
       </p:sp>
+      <p:pic>
+        <p:nvPicPr>
+          <p:cNvPr id="4" name="그림 3" descr="픽셀이(가) 표시된 사진&#10;&#10;자동 생성된 설명">
+            <a:extLst>
+              <a:ext uri="{FF2B5EF4-FFF2-40B4-BE49-F238E27FC236}">
+                <a16:creationId xmlns:a16="http://schemas.microsoft.com/office/drawing/2014/main" id="{B62D6346-7804-73AB-2865-9E29664EE7E6}"/>
+              </a:ext>
+            </a:extLst>
+          </p:cNvPr>
+          <p:cNvPicPr>
+            <a:picLocks noChangeAspect="1"/>
+          </p:cNvPicPr>
+          <p:nvPr/>
+        </p:nvPicPr>
+        <p:blipFill>
+          <a:blip r:embed="rId2">
+            <a:extLst>
+              <a:ext uri="{28A0092B-C50C-407E-A947-70E740481C1C}">
+                <a14:useLocalDpi xmlns:a14="http://schemas.microsoft.com/office/drawing/2010/main" val="0"/>
+              </a:ext>
+            </a:extLst>
+          </a:blip>
+          <a:stretch>
+            <a:fillRect/>
+          </a:stretch>
+        </p:blipFill>
+        <p:spPr>
+          <a:xfrm>
+            <a:off x="10991839" y="6086461"/>
+            <a:ext cx="419122" cy="552478"/>
+          </a:xfrm>
+          <a:prstGeom prst="rect">
+            <a:avLst/>
+          </a:prstGeom>
+        </p:spPr>
+      </p:pic>
     </p:spTree>
     <p:extLst>
       <p:ext uri="{BB962C8B-B14F-4D97-AF65-F5344CB8AC3E}">
@@ -5680,12 +5722,61 @@
           <a:chExt cx="0" cy="0"/>
         </a:xfrm>
       </p:grpSpPr>
+      <p:sp>
+        <p:nvSpPr>
+          <p:cNvPr id="10" name="직사각형 9">
+            <a:extLst>
+              <a:ext uri="{FF2B5EF4-FFF2-40B4-BE49-F238E27FC236}">
+                <a16:creationId xmlns:a16="http://schemas.microsoft.com/office/drawing/2014/main" id="{2A67A116-E09E-E5CB-E569-F6171052C681}"/>
+              </a:ext>
+            </a:extLst>
+          </p:cNvPr>
+          <p:cNvSpPr/>
+          <p:nvPr/>
+        </p:nvSpPr>
+        <p:spPr>
+          <a:xfrm>
+            <a:off x="-279400" y="-237067"/>
+            <a:ext cx="13004800" cy="7789334"/>
+          </a:xfrm>
+          <a:prstGeom prst="rect">
+            <a:avLst/>
+          </a:prstGeom>
+        </p:spPr>
+        <p:style>
+          <a:lnRef idx="2">
+            <a:schemeClr val="dk1">
+              <a:shade val="15000"/>
+            </a:schemeClr>
+          </a:lnRef>
+          <a:fillRef idx="1">
+            <a:schemeClr val="dk1"/>
+          </a:fillRef>
+          <a:effectRef idx="0">
+            <a:schemeClr val="dk1"/>
+          </a:effectRef>
+          <a:fontRef idx="minor">
+            <a:schemeClr val="lt1"/>
+          </a:fontRef>
+        </p:style>
+        <p:txBody>
+          <a:bodyPr rtlCol="0" anchor="ctr"/>
+          <a:lstStyle/>
+          <a:p>
+            <a:endParaRPr lang="en-US" altLang="ko-KR" dirty="0">
+              <a:solidFill>
+                <a:schemeClr val="bg1"/>
+              </a:solidFill>
+            </a:endParaRPr>
+          </a:p>
+        </p:txBody>
+      </p:sp>
       <p:pic>
         <p:nvPicPr>
-          <p:cNvPr id="3" name="그림 2" descr="스크린샷, 멀티미디어 소프트웨어, 그래픽 소프트웨어, 3D 모델링이(가) 표시된 사진&#10;&#10;자동 생성된 설명">
-            <a:extLst>
-              <a:ext uri="{FF2B5EF4-FFF2-40B4-BE49-F238E27FC236}">
-                <a16:creationId xmlns:a16="http://schemas.microsoft.com/office/drawing/2014/main" id="{7347973F-F89B-9DE3-D04F-F2753A41A29F}"/>
+          <p:cNvPr id="6" name="그림 5" descr="스크린샷, 멀티미디어 소프트웨어, 그래픽 소프트웨어, 3D 모델링이(가) 표시된 사진&#10;&#10;자동 생성된 설명">
+            <a:extLst>
+              <a:ext uri="{FF2B5EF4-FFF2-40B4-BE49-F238E27FC236}">
+                <a16:creationId xmlns:a16="http://schemas.microsoft.com/office/drawing/2014/main" id="{3A369CDE-BF24-0628-840B-CBE98311C864}"/>
               </a:ext>
             </a:extLst>
           </p:cNvPr>
@@ -5702,23 +5793,459 @@
               </a:ext>
             </a:extLst>
           </a:blip>
-          <a:srcRect t="3616"/>
-          <a:stretch/>
+          <a:stretch>
+            <a:fillRect/>
+          </a:stretch>
         </p:blipFill>
         <p:spPr>
           <a:xfrm>
-            <a:off x="121942" y="115512"/>
-            <a:ext cx="5294715" cy="3534338"/>
+            <a:off x="0" y="0"/>
+            <a:ext cx="4943958" cy="3424006"/>
           </a:xfrm>
           <a:prstGeom prst="rect">
             <a:avLst/>
           </a:prstGeom>
         </p:spPr>
       </p:pic>
+      <p:pic>
+        <p:nvPicPr>
+          <p:cNvPr id="7" name="그림 6" descr="스크린샷, 멀티미디어 소프트웨어, 그래픽 소프트웨어, 3D 모델링이(가) 표시된 사진&#10;&#10;자동 생성된 설명">
+            <a:extLst>
+              <a:ext uri="{FF2B5EF4-FFF2-40B4-BE49-F238E27FC236}">
+                <a16:creationId xmlns:a16="http://schemas.microsoft.com/office/drawing/2014/main" id="{177AE5A7-B03D-2E58-47EB-057ABC2680D3}"/>
+              </a:ext>
+            </a:extLst>
+          </p:cNvPr>
+          <p:cNvPicPr>
+            <a:picLocks noChangeAspect="1"/>
+          </p:cNvPicPr>
+          <p:nvPr/>
+        </p:nvPicPr>
+        <p:blipFill>
+          <a:blip r:embed="rId3">
+            <a:extLst>
+              <a:ext uri="{28A0092B-C50C-407E-A947-70E740481C1C}">
+                <a14:useLocalDpi xmlns:a14="http://schemas.microsoft.com/office/drawing/2010/main" val="0"/>
+              </a:ext>
+            </a:extLst>
+          </a:blip>
+          <a:stretch>
+            <a:fillRect/>
+          </a:stretch>
+        </p:blipFill>
+        <p:spPr>
+          <a:xfrm>
+            <a:off x="0" y="3433992"/>
+            <a:ext cx="4943959" cy="3424007"/>
+          </a:xfrm>
+          <a:prstGeom prst="rect">
+            <a:avLst/>
+          </a:prstGeom>
+        </p:spPr>
+      </p:pic>
+      <p:sp>
+        <p:nvSpPr>
+          <p:cNvPr id="8" name="TextBox 7">
+            <a:extLst>
+              <a:ext uri="{FF2B5EF4-FFF2-40B4-BE49-F238E27FC236}">
+                <a16:creationId xmlns:a16="http://schemas.microsoft.com/office/drawing/2014/main" id="{09AECEC5-4DA2-235E-CBC7-A533EC9E4187}"/>
+              </a:ext>
+            </a:extLst>
+          </p:cNvPr>
+          <p:cNvSpPr txBox="1"/>
+          <p:nvPr/>
+        </p:nvSpPr>
+        <p:spPr>
+          <a:xfrm>
+            <a:off x="5261202" y="473765"/>
+            <a:ext cx="5783956" cy="369332"/>
+          </a:xfrm>
+          <a:prstGeom prst="rect">
+            <a:avLst/>
+          </a:prstGeom>
+          <a:noFill/>
+        </p:spPr>
+        <p:txBody>
+          <a:bodyPr wrap="none" rtlCol="0">
+            <a:spAutoFit/>
+          </a:bodyPr>
+          <a:lstStyle/>
+          <a:p>
+            <a:r>
+              <a:rPr lang="en-US" altLang="ko-KR" dirty="0">
+                <a:solidFill>
+                  <a:schemeClr val="bg1"/>
+                </a:solidFill>
+              </a:rPr>
+              <a:t>“</a:t>
+            </a:r>
+            <a:r>
+              <a:rPr lang="ko-KR" altLang="en-US" dirty="0">
+                <a:solidFill>
+                  <a:schemeClr val="bg1"/>
+                </a:solidFill>
+              </a:rPr>
+              <a:t>로봇을 조작해 적들을 피해서 골인 지점으로 가라 </a:t>
+            </a:r>
+            <a:r>
+              <a:rPr lang="ko-KR" altLang="en-US" dirty="0" err="1">
+                <a:solidFill>
+                  <a:schemeClr val="bg1"/>
+                </a:solidFill>
+              </a:rPr>
+              <a:t>얍</a:t>
+            </a:r>
+            <a:r>
+              <a:rPr lang="en-US" altLang="ko-KR" dirty="0">
+                <a:solidFill>
+                  <a:schemeClr val="bg1"/>
+                </a:solidFill>
+              </a:rPr>
+              <a:t>“</a:t>
+            </a:r>
+          </a:p>
+        </p:txBody>
+      </p:sp>
+      <p:pic>
+        <p:nvPicPr>
+          <p:cNvPr id="9" name="그림 8" descr="픽셀이(가) 표시된 사진&#10;&#10;자동 생성된 설명">
+            <a:extLst>
+              <a:ext uri="{FF2B5EF4-FFF2-40B4-BE49-F238E27FC236}">
+                <a16:creationId xmlns:a16="http://schemas.microsoft.com/office/drawing/2014/main" id="{7C8D3B55-31A4-5465-0803-3463B7F50828}"/>
+              </a:ext>
+            </a:extLst>
+          </p:cNvPr>
+          <p:cNvPicPr>
+            <a:picLocks noChangeAspect="1"/>
+          </p:cNvPicPr>
+          <p:nvPr/>
+        </p:nvPicPr>
+        <p:blipFill>
+          <a:blip r:embed="rId4">
+            <a:extLst>
+              <a:ext uri="{28A0092B-C50C-407E-A947-70E740481C1C}">
+                <a14:useLocalDpi xmlns:a14="http://schemas.microsoft.com/office/drawing/2010/main" val="0"/>
+              </a:ext>
+            </a:extLst>
+          </a:blip>
+          <a:stretch>
+            <a:fillRect/>
+          </a:stretch>
+        </p:blipFill>
+        <p:spPr>
+          <a:xfrm>
+            <a:off x="10991839" y="6086461"/>
+            <a:ext cx="419122" cy="552478"/>
+          </a:xfrm>
+          <a:prstGeom prst="rect">
+            <a:avLst/>
+          </a:prstGeom>
+        </p:spPr>
+      </p:pic>
+      <p:sp>
+        <p:nvSpPr>
+          <p:cNvPr id="11" name="TextBox 10">
+            <a:extLst>
+              <a:ext uri="{FF2B5EF4-FFF2-40B4-BE49-F238E27FC236}">
+                <a16:creationId xmlns:a16="http://schemas.microsoft.com/office/drawing/2014/main" id="{3E24895F-952E-8BAE-ED42-1E8C3312E35F}"/>
+              </a:ext>
+            </a:extLst>
+          </p:cNvPr>
+          <p:cNvSpPr txBox="1"/>
+          <p:nvPr/>
+        </p:nvSpPr>
+        <p:spPr>
+          <a:xfrm>
+            <a:off x="5261202" y="3551350"/>
+            <a:ext cx="3042821" cy="1200329"/>
+          </a:xfrm>
+          <a:prstGeom prst="rect">
+            <a:avLst/>
+          </a:prstGeom>
+          <a:noFill/>
+        </p:spPr>
+        <p:txBody>
+          <a:bodyPr wrap="none" rtlCol="0">
+            <a:spAutoFit/>
+          </a:bodyPr>
+          <a:lstStyle/>
+          <a:p>
+            <a:pPr marL="285750" indent="-285750">
+              <a:buFont typeface="Arial" panose="020B0604020202020204" pitchFamily="34" charset="0"/>
+              <a:buChar char="•"/>
+            </a:pPr>
+            <a:r>
+              <a:rPr lang="ko-KR" altLang="en-US" dirty="0">
+                <a:solidFill>
+                  <a:schemeClr val="bg1"/>
+                </a:solidFill>
+              </a:rPr>
+              <a:t>조작키</a:t>
+            </a:r>
+            <a:endParaRPr lang="en-US" altLang="ko-KR" dirty="0">
+              <a:solidFill>
+                <a:schemeClr val="bg1"/>
+              </a:solidFill>
+            </a:endParaRPr>
+          </a:p>
+          <a:p>
+            <a:pPr lvl="1"/>
+            <a:r>
+              <a:rPr lang="en-US" altLang="ko-KR" dirty="0">
+                <a:solidFill>
+                  <a:schemeClr val="bg1"/>
+                </a:solidFill>
+              </a:rPr>
+              <a:t>m: </a:t>
+            </a:r>
+            <a:r>
+              <a:rPr lang="ko-KR" altLang="en-US" dirty="0">
+                <a:solidFill>
+                  <a:schemeClr val="bg1"/>
+                </a:solidFill>
+              </a:rPr>
+              <a:t>출발</a:t>
+            </a:r>
+            <a:r>
+              <a:rPr lang="en-US" altLang="ko-KR" dirty="0">
+                <a:solidFill>
+                  <a:schemeClr val="bg1"/>
+                </a:solidFill>
+              </a:rPr>
+              <a:t>, </a:t>
+            </a:r>
+            <a:r>
+              <a:rPr lang="ko-KR" altLang="en-US" dirty="0">
+                <a:solidFill>
+                  <a:schemeClr val="bg1"/>
+                </a:solidFill>
+              </a:rPr>
+              <a:t>정지</a:t>
+            </a:r>
+            <a:endParaRPr lang="en-US" altLang="ko-KR" dirty="0">
+              <a:solidFill>
+                <a:schemeClr val="bg1"/>
+              </a:solidFill>
+            </a:endParaRPr>
+          </a:p>
+          <a:p>
+            <a:pPr lvl="1"/>
+            <a:r>
+              <a:rPr lang="en-US" altLang="ko-KR" dirty="0">
+                <a:solidFill>
+                  <a:schemeClr val="bg1"/>
+                </a:solidFill>
+              </a:rPr>
+              <a:t>t: </a:t>
+            </a:r>
+            <a:r>
+              <a:rPr lang="ko-KR" altLang="en-US" dirty="0">
+                <a:solidFill>
+                  <a:schemeClr val="bg1"/>
+                </a:solidFill>
+              </a:rPr>
+              <a:t>결승점 앞으로 이동</a:t>
+            </a:r>
+            <a:endParaRPr lang="en-US" altLang="ko-KR" dirty="0">
+              <a:solidFill>
+                <a:schemeClr val="bg1"/>
+              </a:solidFill>
+            </a:endParaRPr>
+          </a:p>
+          <a:p>
+            <a:pPr lvl="1"/>
+            <a:r>
+              <a:rPr lang="ko-KR" altLang="en-US" dirty="0">
+                <a:solidFill>
+                  <a:schemeClr val="bg1"/>
+                </a:solidFill>
+              </a:rPr>
+              <a:t>방향키</a:t>
+            </a:r>
+            <a:r>
+              <a:rPr lang="en-US" altLang="ko-KR" dirty="0">
+                <a:solidFill>
+                  <a:schemeClr val="bg1"/>
+                </a:solidFill>
+              </a:rPr>
+              <a:t>: 45</a:t>
+            </a:r>
+            <a:r>
+              <a:rPr lang="ko-KR" altLang="en-US" dirty="0">
+                <a:solidFill>
+                  <a:schemeClr val="bg1"/>
+                </a:solidFill>
+              </a:rPr>
+              <a:t>도 방향 회전</a:t>
+            </a:r>
+          </a:p>
+        </p:txBody>
+      </p:sp>
     </p:spTree>
     <p:extLst>
       <p:ext uri="{BB962C8B-B14F-4D97-AF65-F5344CB8AC3E}">
         <p14:creationId xmlns:p14="http://schemas.microsoft.com/office/powerpoint/2010/main" val="3171838985"/>
+      </p:ext>
+    </p:extLst>
+  </p:cSld>
+  <p:clrMapOvr>
+    <a:masterClrMapping/>
+  </p:clrMapOvr>
+</p:sld>
+</file>
+
+<file path=ppt/slides/slide3.xml><?xml version="1.0" encoding="utf-8"?>
+<p:sld xmlns:a="http://schemas.openxmlformats.org/drawingml/2006/main" xmlns:r="http://schemas.openxmlformats.org/officeDocument/2006/relationships" xmlns:p="http://schemas.openxmlformats.org/presentationml/2006/main">
+  <p:cSld>
+    <p:spTree>
+      <p:nvGrpSpPr>
+        <p:cNvPr id="1" name="">
+          <a:extLst>
+            <a:ext uri="{FF2B5EF4-FFF2-40B4-BE49-F238E27FC236}">
+              <a16:creationId xmlns:a16="http://schemas.microsoft.com/office/drawing/2014/main" id="{73C25E69-8955-7BB1-0697-2D5B3522917F}"/>
+            </a:ext>
+          </a:extLst>
+        </p:cNvPr>
+        <p:cNvGrpSpPr/>
+        <p:nvPr/>
+      </p:nvGrpSpPr>
+      <p:grpSpPr>
+        <a:xfrm>
+          <a:off x="0" y="0"/>
+          <a:ext cx="0" cy="0"/>
+          <a:chOff x="0" y="0"/>
+          <a:chExt cx="0" cy="0"/>
+        </a:xfrm>
+      </p:grpSpPr>
+      <p:pic>
+        <p:nvPicPr>
+          <p:cNvPr id="3" name="그림 2" descr="스크린샷, 별이(가) 표시된 사진&#10;&#10;자동 생성된 설명">
+            <a:extLst>
+              <a:ext uri="{FF2B5EF4-FFF2-40B4-BE49-F238E27FC236}">
+                <a16:creationId xmlns:a16="http://schemas.microsoft.com/office/drawing/2014/main" id="{4119D483-101A-6E1B-336C-429135E16814}"/>
+              </a:ext>
+            </a:extLst>
+          </p:cNvPr>
+          <p:cNvPicPr>
+            <a:picLocks noChangeAspect="1"/>
+          </p:cNvPicPr>
+          <p:nvPr/>
+        </p:nvPicPr>
+        <p:blipFill>
+          <a:blip r:embed="rId2">
+            <a:extLst>
+              <a:ext uri="{28A0092B-C50C-407E-A947-70E740481C1C}">
+                <a14:useLocalDpi xmlns:a14="http://schemas.microsoft.com/office/drawing/2010/main" val="0"/>
+              </a:ext>
+            </a:extLst>
+          </a:blip>
+          <a:stretch>
+            <a:fillRect/>
+          </a:stretch>
+        </p:blipFill>
+        <p:spPr>
+          <a:xfrm>
+            <a:off x="0" y="-792869"/>
+            <a:ext cx="12192000" cy="8443738"/>
+          </a:xfrm>
+          <a:prstGeom prst="rect">
+            <a:avLst/>
+          </a:prstGeom>
+        </p:spPr>
+      </p:pic>
+      <p:sp>
+        <p:nvSpPr>
+          <p:cNvPr id="4" name="TextBox 3">
+            <a:extLst>
+              <a:ext uri="{FF2B5EF4-FFF2-40B4-BE49-F238E27FC236}">
+                <a16:creationId xmlns:a16="http://schemas.microsoft.com/office/drawing/2014/main" id="{016F577E-D17C-151E-0E9C-09B815516950}"/>
+              </a:ext>
+            </a:extLst>
+          </p:cNvPr>
+          <p:cNvSpPr txBox="1"/>
+          <p:nvPr/>
+        </p:nvSpPr>
+        <p:spPr>
+          <a:xfrm>
+            <a:off x="291926" y="143933"/>
+            <a:ext cx="2938625" cy="923330"/>
+          </a:xfrm>
+          <a:prstGeom prst="rect">
+            <a:avLst/>
+          </a:prstGeom>
+          <a:noFill/>
+        </p:spPr>
+        <p:txBody>
+          <a:bodyPr wrap="none" rtlCol="0">
+            <a:spAutoFit/>
+          </a:bodyPr>
+          <a:lstStyle/>
+          <a:p>
+            <a:r>
+              <a:rPr lang="ko-KR" altLang="en-US" dirty="0">
+                <a:solidFill>
+                  <a:schemeClr val="bg1"/>
+                </a:solidFill>
+              </a:rPr>
+              <a:t>창</a:t>
+            </a:r>
+            <a:endParaRPr lang="en-US" altLang="ko-KR" dirty="0">
+              <a:solidFill>
+                <a:schemeClr val="bg1"/>
+              </a:solidFill>
+            </a:endParaRPr>
+          </a:p>
+          <a:p>
+            <a:r>
+              <a:rPr lang="ko-KR" altLang="en-US" dirty="0">
+                <a:solidFill>
+                  <a:schemeClr val="bg1"/>
+                </a:solidFill>
+              </a:rPr>
+              <a:t>기록</a:t>
+            </a:r>
+            <a:r>
+              <a:rPr lang="en-US" altLang="ko-KR" dirty="0">
+                <a:solidFill>
+                  <a:schemeClr val="bg1"/>
+                </a:solidFill>
+              </a:rPr>
+              <a:t>(sec)</a:t>
+            </a:r>
+            <a:r>
+              <a:rPr lang="ko-KR" altLang="en-US" dirty="0">
+                <a:solidFill>
+                  <a:schemeClr val="bg1"/>
+                </a:solidFill>
+              </a:rPr>
+              <a:t>이 나오면</a:t>
+            </a:r>
+            <a:endParaRPr lang="en-US" altLang="ko-KR" dirty="0">
+              <a:solidFill>
+                <a:schemeClr val="bg1"/>
+              </a:solidFill>
+            </a:endParaRPr>
+          </a:p>
+          <a:p>
+            <a:r>
+              <a:rPr lang="ko-KR" altLang="en-US" dirty="0">
+                <a:solidFill>
+                  <a:schemeClr val="bg1"/>
+                </a:solidFill>
+              </a:rPr>
+              <a:t>플레이어와 적이 축하한다</a:t>
+            </a:r>
+            <a:r>
+              <a:rPr lang="en-US" altLang="ko-KR" dirty="0"/>
+              <a:t>.</a:t>
+            </a:r>
+          </a:p>
+        </p:txBody>
+      </p:sp>
+    </p:spTree>
+    <p:extLst>
+      <p:ext uri="{BB962C8B-B14F-4D97-AF65-F5344CB8AC3E}">
+        <p14:creationId xmlns:p14="http://schemas.microsoft.com/office/powerpoint/2010/main" val="1410673794"/>
       </p:ext>
     </p:extLst>
   </p:cSld>

--- a/컴퓨터 그래픽스 발표 프레젠테이션.pptx
+++ b/컴퓨터 그래픽스 발표 프레젠테이션.pptx
@@ -5722,61 +5722,12 @@
           <a:chExt cx="0" cy="0"/>
         </a:xfrm>
       </p:grpSpPr>
-      <p:sp>
-        <p:nvSpPr>
-          <p:cNvPr id="10" name="직사각형 9">
-            <a:extLst>
-              <a:ext uri="{FF2B5EF4-FFF2-40B4-BE49-F238E27FC236}">
-                <a16:creationId xmlns:a16="http://schemas.microsoft.com/office/drawing/2014/main" id="{2A67A116-E09E-E5CB-E569-F6171052C681}"/>
-              </a:ext>
-            </a:extLst>
-          </p:cNvPr>
-          <p:cNvSpPr/>
-          <p:nvPr/>
-        </p:nvSpPr>
-        <p:spPr>
-          <a:xfrm>
-            <a:off x="-279400" y="-237067"/>
-            <a:ext cx="13004800" cy="7789334"/>
-          </a:xfrm>
-          <a:prstGeom prst="rect">
-            <a:avLst/>
-          </a:prstGeom>
-        </p:spPr>
-        <p:style>
-          <a:lnRef idx="2">
-            <a:schemeClr val="dk1">
-              <a:shade val="15000"/>
-            </a:schemeClr>
-          </a:lnRef>
-          <a:fillRef idx="1">
-            <a:schemeClr val="dk1"/>
-          </a:fillRef>
-          <a:effectRef idx="0">
-            <a:schemeClr val="dk1"/>
-          </a:effectRef>
-          <a:fontRef idx="minor">
-            <a:schemeClr val="lt1"/>
-          </a:fontRef>
-        </p:style>
-        <p:txBody>
-          <a:bodyPr rtlCol="0" anchor="ctr"/>
-          <a:lstStyle/>
-          <a:p>
-            <a:endParaRPr lang="en-US" altLang="ko-KR" dirty="0">
-              <a:solidFill>
-                <a:schemeClr val="bg1"/>
-              </a:solidFill>
-            </a:endParaRPr>
-          </a:p>
-        </p:txBody>
-      </p:sp>
       <p:pic>
         <p:nvPicPr>
-          <p:cNvPr id="6" name="그림 5" descr="스크린샷, 멀티미디어 소프트웨어, 그래픽 소프트웨어, 3D 모델링이(가) 표시된 사진&#10;&#10;자동 생성된 설명">
-            <a:extLst>
-              <a:ext uri="{FF2B5EF4-FFF2-40B4-BE49-F238E27FC236}">
-                <a16:creationId xmlns:a16="http://schemas.microsoft.com/office/drawing/2014/main" id="{3A369CDE-BF24-0628-840B-CBE98311C864}"/>
+          <p:cNvPr id="3" name="그림 2" descr="우주, 별자리, 천문학, 은하이(가) 표시된 사진&#10;&#10;자동 생성된 설명">
+            <a:extLst>
+              <a:ext uri="{FF2B5EF4-FFF2-40B4-BE49-F238E27FC236}">
+                <a16:creationId xmlns:a16="http://schemas.microsoft.com/office/drawing/2014/main" id="{6CF15118-CB91-910B-A780-0CCCC3400333}"/>
               </a:ext>
             </a:extLst>
           </p:cNvPr>
@@ -5787,6 +5738,41 @@
         </p:nvPicPr>
         <p:blipFill>
           <a:blip r:embed="rId2">
+            <a:extLst>
+              <a:ext uri="{28A0092B-C50C-407E-A947-70E740481C1C}">
+                <a14:useLocalDpi xmlns:a14="http://schemas.microsoft.com/office/drawing/2010/main" val="0"/>
+              </a:ext>
+            </a:extLst>
+          </a:blip>
+          <a:srcRect l="7733" t="31799" r="8862" b="21286"/>
+          <a:stretch/>
+        </p:blipFill>
+        <p:spPr>
+          <a:xfrm>
+            <a:off x="0" y="-1"/>
+            <a:ext cx="12192000" cy="6857999"/>
+          </a:xfrm>
+          <a:prstGeom prst="rect">
+            <a:avLst/>
+          </a:prstGeom>
+        </p:spPr>
+      </p:pic>
+      <p:pic>
+        <p:nvPicPr>
+          <p:cNvPr id="6" name="그림 5" descr="스크린샷, 멀티미디어 소프트웨어, 그래픽 소프트웨어, 3D 모델링이(가) 표시된 사진&#10;&#10;자동 생성된 설명">
+            <a:extLst>
+              <a:ext uri="{FF2B5EF4-FFF2-40B4-BE49-F238E27FC236}">
+                <a16:creationId xmlns:a16="http://schemas.microsoft.com/office/drawing/2014/main" id="{3A369CDE-BF24-0628-840B-CBE98311C864}"/>
+              </a:ext>
+            </a:extLst>
+          </p:cNvPr>
+          <p:cNvPicPr>
+            <a:picLocks noChangeAspect="1"/>
+          </p:cNvPicPr>
+          <p:nvPr/>
+        </p:nvPicPr>
+        <p:blipFill>
+          <a:blip r:embed="rId3">
             <a:extLst>
               <a:ext uri="{28A0092B-C50C-407E-A947-70E740481C1C}">
                 <a14:useLocalDpi xmlns:a14="http://schemas.microsoft.com/office/drawing/2010/main" val="0"/>
@@ -5822,7 +5808,7 @@
           <p:nvPr/>
         </p:nvPicPr>
         <p:blipFill>
-          <a:blip r:embed="rId3">
+          <a:blip r:embed="rId4">
             <a:extLst>
               <a:ext uri="{28A0092B-C50C-407E-A947-70E740481C1C}">
                 <a14:useLocalDpi xmlns:a14="http://schemas.microsoft.com/office/drawing/2010/main" val="0"/>
@@ -5921,7 +5907,7 @@
           <p:nvPr/>
         </p:nvPicPr>
         <p:blipFill>
-          <a:blip r:embed="rId4">
+          <a:blip r:embed="rId5">
             <a:extLst>
               <a:ext uri="{28A0092B-C50C-407E-A947-70E740481C1C}">
                 <a14:useLocalDpi xmlns:a14="http://schemas.microsoft.com/office/drawing/2010/main" val="0"/>
@@ -6139,14 +6125,13 @@
               </a:ext>
             </a:extLst>
           </a:blip>
-          <a:stretch>
-            <a:fillRect/>
-          </a:stretch>
+          <a:srcRect t="9391" b="9389"/>
+          <a:stretch/>
         </p:blipFill>
         <p:spPr>
           <a:xfrm>
-            <a:off x="0" y="-792869"/>
-            <a:ext cx="12192000" cy="8443738"/>
+            <a:off x="0" y="0"/>
+            <a:ext cx="12192000" cy="6858001"/>
           </a:xfrm>
           <a:prstGeom prst="rect">
             <a:avLst/>

--- a/컴퓨터 그래픽스 발표 프레젠테이션.pptx
+++ b/컴퓨터 그래픽스 발표 프레젠테이션.pptx
@@ -5844,7 +5844,7 @@
         <p:spPr>
           <a:xfrm>
             <a:off x="5261202" y="473765"/>
-            <a:ext cx="5783956" cy="369332"/>
+            <a:ext cx="6846746" cy="369332"/>
           </a:xfrm>
           <a:prstGeom prst="rect">
             <a:avLst/>
@@ -5871,15 +5871,23 @@
                   <a:schemeClr val="bg1"/>
                 </a:solidFill>
               </a:rPr>
-              <a:t>로봇을 조작해 적들을 피해서 골인 지점으로 가라 </a:t>
-            </a:r>
-            <a:r>
-              <a:rPr lang="ko-KR" altLang="en-US" dirty="0" err="1">
+              <a:t>로봇을 조작해 적들을 피해서 골인 지점으로 가는 </a:t>
+            </a:r>
+            <a:r>
+              <a:rPr lang="en-US" altLang="ko-KR" dirty="0">
                 <a:solidFill>
                   <a:schemeClr val="bg1"/>
                 </a:solidFill>
               </a:rPr>
-              <a:t>얍</a:t>
+              <a:t>3D </a:t>
+            </a:r>
+            <a:r>
+              <a:rPr lang="ko-KR" altLang="en-US" dirty="0">
+                <a:solidFill>
+                  <a:schemeClr val="bg1"/>
+                </a:solidFill>
+              </a:rPr>
+              <a:t>프로그램</a:t>
             </a:r>
             <a:r>
               <a:rPr lang="en-US" altLang="ko-KR" dirty="0">

--- a/컴퓨터 그래픽스 발표 프레젠테이션.pptx
+++ b/컴퓨터 그래픽스 발표 프레젠테이션.pptx
@@ -4285,7 +4285,7 @@
           <a:lstStyle/>
           <a:p>
             <a:r>
-              <a:rPr lang="ko-KR" altLang="en-US" sz="5400">
+              <a:rPr lang="ko-KR" altLang="en-US" sz="5400" dirty="0">
                 <a:solidFill>
                   <a:schemeClr val="bg1"/>
                 </a:solidFill>
@@ -4293,14 +4293,14 @@
               <a:t>컴퓨터 그래픽스 </a:t>
             </a:r>
             <a:br>
-              <a:rPr lang="en-US" altLang="ko-KR" sz="5400">
+              <a:rPr lang="en-US" altLang="ko-KR" sz="5400" dirty="0">
                 <a:solidFill>
                   <a:schemeClr val="bg1"/>
                 </a:solidFill>
               </a:rPr>
             </a:br>
             <a:r>
-              <a:rPr lang="ko-KR" altLang="en-US" sz="5400">
+              <a:rPr lang="ko-KR" altLang="en-US" sz="5400" dirty="0">
                 <a:solidFill>
                   <a:schemeClr val="bg1"/>
                 </a:solidFill>
@@ -5785,7 +5785,7 @@
         </p:blipFill>
         <p:spPr>
           <a:xfrm>
-            <a:off x="0" y="0"/>
+            <a:off x="1687651" y="0"/>
             <a:ext cx="4943958" cy="3424006"/>
           </a:xfrm>
           <a:prstGeom prst="rect">
@@ -5821,7 +5821,7 @@
         </p:blipFill>
         <p:spPr>
           <a:xfrm>
-            <a:off x="0" y="3433992"/>
+            <a:off x="1693786" y="3433992"/>
             <a:ext cx="4943959" cy="3424007"/>
           </a:xfrm>
           <a:prstGeom prst="rect">
@@ -5843,8 +5843,8 @@
         </p:nvSpPr>
         <p:spPr>
           <a:xfrm>
-            <a:off x="5261202" y="473765"/>
-            <a:ext cx="6846746" cy="369332"/>
+            <a:off x="7248044" y="884938"/>
+            <a:ext cx="3743332" cy="646331"/>
           </a:xfrm>
           <a:prstGeom prst="rect">
             <a:avLst/>
@@ -5871,7 +5871,22 @@
                   <a:schemeClr val="bg1"/>
                 </a:solidFill>
               </a:rPr>
-              <a:t>로봇을 조작해 적들을 피해서 골인 지점으로 가는 </a:t>
+              <a:t>로봇을 조작해 적들을 피해서</a:t>
+            </a:r>
+            <a:endParaRPr lang="en-US" altLang="ko-KR" dirty="0">
+              <a:solidFill>
+                <a:schemeClr val="bg1"/>
+              </a:solidFill>
+            </a:endParaRPr>
+          </a:p>
+          <a:p>
+            <a:r>
+              <a:rPr lang="ko-KR" altLang="en-US" dirty="0">
+                <a:solidFill>
+                  <a:schemeClr val="bg1"/>
+                </a:solidFill>
+              </a:rPr>
+              <a:t> 골인 지점으로 가는 </a:t>
             </a:r>
             <a:r>
               <a:rPr lang="en-US" altLang="ko-KR" dirty="0">
@@ -5950,7 +5965,7 @@
         </p:nvSpPr>
         <p:spPr>
           <a:xfrm>
-            <a:off x="5261202" y="3551350"/>
+            <a:off x="7248043" y="3594469"/>
             <a:ext cx="3042821" cy="1200329"/>
           </a:xfrm>
           <a:prstGeom prst="rect">
@@ -6071,6 +6086,371 @@
                 </a:solidFill>
               </a:rPr>
               <a:t>도 방향 회전</a:t>
+            </a:r>
+          </a:p>
+        </p:txBody>
+      </p:sp>
+      <p:sp>
+        <p:nvSpPr>
+          <p:cNvPr id="10" name="원형: 비어 있음 9">
+            <a:extLst>
+              <a:ext uri="{FF2B5EF4-FFF2-40B4-BE49-F238E27FC236}">
+                <a16:creationId xmlns:a16="http://schemas.microsoft.com/office/drawing/2014/main" id="{C35877BA-5239-515E-2132-976ACAA238E2}"/>
+              </a:ext>
+            </a:extLst>
+          </p:cNvPr>
+          <p:cNvSpPr/>
+          <p:nvPr/>
+        </p:nvSpPr>
+        <p:spPr>
+          <a:xfrm>
+            <a:off x="1736747" y="82067"/>
+            <a:ext cx="1110781" cy="955071"/>
+          </a:xfrm>
+          <a:prstGeom prst="donut">
+            <a:avLst>
+              <a:gd name="adj" fmla="val 4818"/>
+            </a:avLst>
+          </a:prstGeom>
+        </p:spPr>
+        <p:style>
+          <a:lnRef idx="2">
+            <a:schemeClr val="dk1"/>
+          </a:lnRef>
+          <a:fillRef idx="1">
+            <a:schemeClr val="lt1"/>
+          </a:fillRef>
+          <a:effectRef idx="0">
+            <a:schemeClr val="dk1"/>
+          </a:effectRef>
+          <a:fontRef idx="minor">
+            <a:schemeClr val="dk1"/>
+          </a:fontRef>
+        </p:style>
+        <p:txBody>
+          <a:bodyPr rtlCol="0" anchor="ctr"/>
+          <a:lstStyle/>
+          <a:p>
+            <a:pPr algn="ctr"/>
+            <a:endParaRPr lang="ko-KR" altLang="en-US">
+              <a:solidFill>
+                <a:schemeClr val="tx1"/>
+              </a:solidFill>
+            </a:endParaRPr>
+          </a:p>
+        </p:txBody>
+      </p:sp>
+      <p:sp>
+        <p:nvSpPr>
+          <p:cNvPr id="12" name="원형: 비어 있음 11">
+            <a:extLst>
+              <a:ext uri="{FF2B5EF4-FFF2-40B4-BE49-F238E27FC236}">
+                <a16:creationId xmlns:a16="http://schemas.microsoft.com/office/drawing/2014/main" id="{08F469FE-53E3-FE11-0854-31265F34DF61}"/>
+              </a:ext>
+            </a:extLst>
+          </p:cNvPr>
+          <p:cNvSpPr/>
+          <p:nvPr/>
+        </p:nvSpPr>
+        <p:spPr>
+          <a:xfrm>
+            <a:off x="1736746" y="3491511"/>
+            <a:ext cx="1110781" cy="955071"/>
+          </a:xfrm>
+          <a:prstGeom prst="donut">
+            <a:avLst>
+              <a:gd name="adj" fmla="val 4818"/>
+            </a:avLst>
+          </a:prstGeom>
+        </p:spPr>
+        <p:style>
+          <a:lnRef idx="2">
+            <a:schemeClr val="dk1"/>
+          </a:lnRef>
+          <a:fillRef idx="1">
+            <a:schemeClr val="lt1"/>
+          </a:fillRef>
+          <a:effectRef idx="0">
+            <a:schemeClr val="dk1"/>
+          </a:effectRef>
+          <a:fontRef idx="minor">
+            <a:schemeClr val="dk1"/>
+          </a:fontRef>
+        </p:style>
+        <p:txBody>
+          <a:bodyPr rtlCol="0" anchor="ctr"/>
+          <a:lstStyle/>
+          <a:p>
+            <a:pPr algn="ctr"/>
+            <a:endParaRPr lang="ko-KR" altLang="en-US">
+              <a:solidFill>
+                <a:schemeClr val="tx1"/>
+              </a:solidFill>
+            </a:endParaRPr>
+          </a:p>
+        </p:txBody>
+      </p:sp>
+      <p:sp>
+        <p:nvSpPr>
+          <p:cNvPr id="13" name="TextBox 12">
+            <a:extLst>
+              <a:ext uri="{FF2B5EF4-FFF2-40B4-BE49-F238E27FC236}">
+                <a16:creationId xmlns:a16="http://schemas.microsoft.com/office/drawing/2014/main" id="{1983592C-E848-2340-6153-B545BB5FA540}"/>
+              </a:ext>
+            </a:extLst>
+          </p:cNvPr>
+          <p:cNvSpPr txBox="1"/>
+          <p:nvPr/>
+        </p:nvSpPr>
+        <p:spPr>
+          <a:xfrm>
+            <a:off x="394989" y="1451350"/>
+            <a:ext cx="1292662" cy="1890902"/>
+          </a:xfrm>
+          <a:prstGeom prst="rect">
+            <a:avLst/>
+          </a:prstGeom>
+          <a:noFill/>
+        </p:spPr>
+        <p:txBody>
+          <a:bodyPr vert="eaVert" wrap="none" rtlCol="0">
+            <a:spAutoFit/>
+          </a:bodyPr>
+          <a:lstStyle/>
+          <a:p>
+            <a:r>
+              <a:rPr lang="ko-KR" altLang="en-US" dirty="0">
+                <a:solidFill>
+                  <a:schemeClr val="bg1"/>
+                </a:solidFill>
+              </a:rPr>
+              <a:t>따라 회전</a:t>
+            </a:r>
+            <a:endParaRPr lang="en-US" altLang="ko-KR" dirty="0">
+              <a:solidFill>
+                <a:schemeClr val="bg1"/>
+              </a:solidFill>
+            </a:endParaRPr>
+          </a:p>
+          <a:p>
+            <a:r>
+              <a:rPr lang="ko-KR" altLang="en-US" dirty="0">
+                <a:solidFill>
+                  <a:schemeClr val="bg1"/>
+                </a:solidFill>
+              </a:rPr>
+              <a:t>플레이어 방향에</a:t>
+            </a:r>
+            <a:endParaRPr lang="en-US" altLang="ko-KR" dirty="0">
+              <a:solidFill>
+                <a:schemeClr val="bg1"/>
+              </a:solidFill>
+            </a:endParaRPr>
+          </a:p>
+          <a:p>
+            <a:r>
+              <a:rPr lang="ko-KR" altLang="en-US" dirty="0">
+                <a:solidFill>
+                  <a:schemeClr val="bg1"/>
+                </a:solidFill>
+              </a:rPr>
+              <a:t>좌측 상단에 </a:t>
+            </a:r>
+            <a:endParaRPr lang="en-US" altLang="ko-KR" dirty="0">
+              <a:solidFill>
+                <a:schemeClr val="bg1"/>
+              </a:solidFill>
+            </a:endParaRPr>
+          </a:p>
+          <a:p>
+            <a:r>
+              <a:rPr lang="ko-KR" altLang="en-US" dirty="0">
+                <a:solidFill>
+                  <a:schemeClr val="bg1"/>
+                </a:solidFill>
+              </a:rPr>
+              <a:t>미니 맵</a:t>
+            </a:r>
+            <a:r>
+              <a:rPr lang="en-US" altLang="ko-KR" dirty="0">
+                <a:solidFill>
+                  <a:schemeClr val="bg1"/>
+                </a:solidFill>
+              </a:rPr>
+              <a:t>:</a:t>
+            </a:r>
+            <a:endParaRPr lang="ko-KR" altLang="en-US" dirty="0">
+              <a:solidFill>
+                <a:schemeClr val="bg1"/>
+              </a:solidFill>
+            </a:endParaRPr>
+          </a:p>
+        </p:txBody>
+      </p:sp>
+      <p:cxnSp>
+        <p:nvCxnSpPr>
+          <p:cNvPr id="15" name="직선 화살표 연결선 14">
+            <a:extLst>
+              <a:ext uri="{FF2B5EF4-FFF2-40B4-BE49-F238E27FC236}">
+                <a16:creationId xmlns:a16="http://schemas.microsoft.com/office/drawing/2014/main" id="{1E8C6460-682F-5003-5145-E3D4548C4398}"/>
+              </a:ext>
+            </a:extLst>
+          </p:cNvPr>
+          <p:cNvCxnSpPr>
+            <a:cxnSpLocks/>
+            <a:endCxn id="10" idx="2"/>
+          </p:cNvCxnSpPr>
+          <p:nvPr/>
+        </p:nvCxnSpPr>
+        <p:spPr>
+          <a:xfrm flipV="1">
+            <a:off x="1179819" y="559603"/>
+            <a:ext cx="556928" cy="802792"/>
+          </a:xfrm>
+          <a:prstGeom prst="straightConnector1">
+            <a:avLst/>
+          </a:prstGeom>
+          <a:ln>
+            <a:solidFill>
+              <a:schemeClr val="bg1"/>
+            </a:solidFill>
+            <a:tailEnd type="triangle"/>
+          </a:ln>
+        </p:spPr>
+        <p:style>
+          <a:lnRef idx="2">
+            <a:schemeClr val="accent1"/>
+          </a:lnRef>
+          <a:fillRef idx="0">
+            <a:schemeClr val="accent1"/>
+          </a:fillRef>
+          <a:effectRef idx="1">
+            <a:schemeClr val="accent1"/>
+          </a:effectRef>
+          <a:fontRef idx="minor">
+            <a:schemeClr val="tx1"/>
+          </a:fontRef>
+        </p:style>
+      </p:cxnSp>
+      <p:cxnSp>
+        <p:nvCxnSpPr>
+          <p:cNvPr id="17" name="직선 화살표 연결선 16">
+            <a:extLst>
+              <a:ext uri="{FF2B5EF4-FFF2-40B4-BE49-F238E27FC236}">
+                <a16:creationId xmlns:a16="http://schemas.microsoft.com/office/drawing/2014/main" id="{E0CEEC93-4712-DFF6-05C0-938B2299C260}"/>
+              </a:ext>
+            </a:extLst>
+          </p:cNvPr>
+          <p:cNvCxnSpPr>
+            <a:cxnSpLocks/>
+            <a:endCxn id="12" idx="2"/>
+          </p:cNvCxnSpPr>
+          <p:nvPr/>
+        </p:nvCxnSpPr>
+        <p:spPr>
+          <a:xfrm>
+            <a:off x="1179819" y="3512961"/>
+            <a:ext cx="556927" cy="456086"/>
+          </a:xfrm>
+          <a:prstGeom prst="straightConnector1">
+            <a:avLst/>
+          </a:prstGeom>
+          <a:ln>
+            <a:solidFill>
+              <a:schemeClr val="bg1"/>
+            </a:solidFill>
+            <a:tailEnd type="triangle"/>
+          </a:ln>
+        </p:spPr>
+        <p:style>
+          <a:lnRef idx="2">
+            <a:schemeClr val="accent1"/>
+          </a:lnRef>
+          <a:fillRef idx="0">
+            <a:schemeClr val="accent1"/>
+          </a:fillRef>
+          <a:effectRef idx="1">
+            <a:schemeClr val="accent1"/>
+          </a:effectRef>
+          <a:fontRef idx="minor">
+            <a:schemeClr val="tx1"/>
+          </a:fontRef>
+        </p:style>
+      </p:cxnSp>
+      <p:sp>
+        <p:nvSpPr>
+          <p:cNvPr id="20" name="TextBox 19">
+            <a:extLst>
+              <a:ext uri="{FF2B5EF4-FFF2-40B4-BE49-F238E27FC236}">
+                <a16:creationId xmlns:a16="http://schemas.microsoft.com/office/drawing/2014/main" id="{C8AC0C22-53BC-FDC5-E59C-1BA3C6B87378}"/>
+              </a:ext>
+            </a:extLst>
+          </p:cNvPr>
+          <p:cNvSpPr txBox="1"/>
+          <p:nvPr/>
+        </p:nvSpPr>
+        <p:spPr>
+          <a:xfrm>
+            <a:off x="3721049" y="2396801"/>
+            <a:ext cx="877163" cy="369332"/>
+          </a:xfrm>
+          <a:prstGeom prst="rect">
+            <a:avLst/>
+          </a:prstGeom>
+          <a:noFill/>
+        </p:spPr>
+        <p:txBody>
+          <a:bodyPr wrap="none" rtlCol="0">
+            <a:spAutoFit/>
+          </a:bodyPr>
+          <a:lstStyle/>
+          <a:p>
+            <a:r>
+              <a:rPr lang="ko-KR" altLang="en-US" dirty="0">
+                <a:solidFill>
+                  <a:schemeClr val="bg1"/>
+                </a:solidFill>
+              </a:rPr>
+              <a:t>출발선</a:t>
+            </a:r>
+          </a:p>
+        </p:txBody>
+      </p:sp>
+      <p:sp>
+        <p:nvSpPr>
+          <p:cNvPr id="21" name="TextBox 20">
+            <a:extLst>
+              <a:ext uri="{FF2B5EF4-FFF2-40B4-BE49-F238E27FC236}">
+                <a16:creationId xmlns:a16="http://schemas.microsoft.com/office/drawing/2014/main" id="{9D77DA0E-D644-58C1-20E6-B003BD7BFB17}"/>
+              </a:ext>
+            </a:extLst>
+          </p:cNvPr>
+          <p:cNvSpPr txBox="1"/>
+          <p:nvPr/>
+        </p:nvSpPr>
+        <p:spPr>
+          <a:xfrm>
+            <a:off x="3721048" y="5830794"/>
+            <a:ext cx="877163" cy="369332"/>
+          </a:xfrm>
+          <a:prstGeom prst="rect">
+            <a:avLst/>
+          </a:prstGeom>
+          <a:noFill/>
+        </p:spPr>
+        <p:txBody>
+          <a:bodyPr wrap="none" rtlCol="0">
+            <a:spAutoFit/>
+          </a:bodyPr>
+          <a:lstStyle/>
+          <a:p>
+            <a:r>
+              <a:rPr lang="ko-KR" altLang="en-US" dirty="0">
+                <a:solidFill>
+                  <a:schemeClr val="bg1"/>
+                </a:solidFill>
+              </a:rPr>
+              <a:t>결승선</a:t>
             </a:r>
           </a:p>
         </p:txBody>
@@ -6160,7 +6540,7 @@
         </p:nvSpPr>
         <p:spPr>
           <a:xfrm>
-            <a:off x="291926" y="143933"/>
+            <a:off x="4626687" y="1032674"/>
             <a:ext cx="2938625" cy="923330"/>
           </a:xfrm>
           <a:prstGeom prst="rect">
@@ -6232,6 +6612,153 @@
               <a:rPr lang="en-US" altLang="ko-KR" dirty="0"/>
               <a:t>.</a:t>
             </a:r>
+          </a:p>
+        </p:txBody>
+      </p:sp>
+      <p:sp>
+        <p:nvSpPr>
+          <p:cNvPr id="2" name="원형: 비어 있음 1">
+            <a:extLst>
+              <a:ext uri="{FF2B5EF4-FFF2-40B4-BE49-F238E27FC236}">
+                <a16:creationId xmlns:a16="http://schemas.microsoft.com/office/drawing/2014/main" id="{7EF7DDEF-AC0C-6757-3110-5D6FC047FE1E}"/>
+              </a:ext>
+            </a:extLst>
+          </p:cNvPr>
+          <p:cNvSpPr/>
+          <p:nvPr/>
+        </p:nvSpPr>
+        <p:spPr>
+          <a:xfrm>
+            <a:off x="5995765" y="2988678"/>
+            <a:ext cx="1386942" cy="1184424"/>
+          </a:xfrm>
+          <a:prstGeom prst="donut">
+            <a:avLst>
+              <a:gd name="adj" fmla="val 4818"/>
+            </a:avLst>
+          </a:prstGeom>
+        </p:spPr>
+        <p:style>
+          <a:lnRef idx="2">
+            <a:schemeClr val="dk1"/>
+          </a:lnRef>
+          <a:fillRef idx="1">
+            <a:schemeClr val="lt1"/>
+          </a:fillRef>
+          <a:effectRef idx="0">
+            <a:schemeClr val="dk1"/>
+          </a:effectRef>
+          <a:fontRef idx="minor">
+            <a:schemeClr val="dk1"/>
+          </a:fontRef>
+        </p:style>
+        <p:txBody>
+          <a:bodyPr rtlCol="0" anchor="ctr"/>
+          <a:lstStyle/>
+          <a:p>
+            <a:pPr algn="ctr"/>
+            <a:endParaRPr lang="ko-KR" altLang="en-US">
+              <a:solidFill>
+                <a:schemeClr val="tx1"/>
+              </a:solidFill>
+            </a:endParaRPr>
+          </a:p>
+        </p:txBody>
+      </p:sp>
+      <p:cxnSp>
+        <p:nvCxnSpPr>
+          <p:cNvPr id="5" name="직선 화살표 연결선 4">
+            <a:extLst>
+              <a:ext uri="{FF2B5EF4-FFF2-40B4-BE49-F238E27FC236}">
+                <a16:creationId xmlns:a16="http://schemas.microsoft.com/office/drawing/2014/main" id="{74869A53-4119-0D84-C920-6772B6DE0AAB}"/>
+              </a:ext>
+            </a:extLst>
+          </p:cNvPr>
+          <p:cNvCxnSpPr>
+            <a:cxnSpLocks/>
+            <a:endCxn id="2" idx="6"/>
+          </p:cNvCxnSpPr>
+          <p:nvPr/>
+        </p:nvCxnSpPr>
+        <p:spPr>
+          <a:xfrm flipH="1">
+            <a:off x="7382707" y="3580890"/>
+            <a:ext cx="969631" cy="0"/>
+          </a:xfrm>
+          <a:prstGeom prst="straightConnector1">
+            <a:avLst/>
+          </a:prstGeom>
+          <a:ln>
+            <a:solidFill>
+              <a:schemeClr val="bg1"/>
+            </a:solidFill>
+            <a:tailEnd type="triangle"/>
+          </a:ln>
+        </p:spPr>
+        <p:style>
+          <a:lnRef idx="2">
+            <a:schemeClr val="accent1"/>
+          </a:lnRef>
+          <a:fillRef idx="0">
+            <a:schemeClr val="accent1"/>
+          </a:fillRef>
+          <a:effectRef idx="1">
+            <a:schemeClr val="accent1"/>
+          </a:effectRef>
+          <a:fontRef idx="minor">
+            <a:schemeClr val="tx1"/>
+          </a:fontRef>
+        </p:style>
+      </p:cxnSp>
+      <p:sp>
+        <p:nvSpPr>
+          <p:cNvPr id="8" name="TextBox 7">
+            <a:extLst>
+              <a:ext uri="{FF2B5EF4-FFF2-40B4-BE49-F238E27FC236}">
+                <a16:creationId xmlns:a16="http://schemas.microsoft.com/office/drawing/2014/main" id="{498E1911-432A-32B9-E38D-17EFB9F18E05}"/>
+              </a:ext>
+            </a:extLst>
+          </p:cNvPr>
+          <p:cNvSpPr txBox="1"/>
+          <p:nvPr/>
+        </p:nvSpPr>
+        <p:spPr>
+          <a:xfrm>
+            <a:off x="8352338" y="3429000"/>
+            <a:ext cx="1119217" cy="369332"/>
+          </a:xfrm>
+          <a:prstGeom prst="rect">
+            <a:avLst/>
+          </a:prstGeom>
+          <a:noFill/>
+        </p:spPr>
+        <p:txBody>
+          <a:bodyPr wrap="none" rtlCol="0">
+            <a:spAutoFit/>
+          </a:bodyPr>
+          <a:lstStyle/>
+          <a:p>
+            <a:r>
+              <a:rPr lang="ko-KR" altLang="en-US" dirty="0">
+                <a:solidFill>
+                  <a:schemeClr val="bg1"/>
+                </a:solidFill>
+              </a:rPr>
+              <a:t>기록</a:t>
+            </a:r>
+            <a:r>
+              <a:rPr lang="en-US" altLang="ko-KR" dirty="0">
+                <a:solidFill>
+                  <a:schemeClr val="bg1"/>
+                </a:solidFill>
+              </a:rPr>
+              <a:t>(sec)</a:t>
+            </a:r>
+            <a:endParaRPr lang="ko-KR" altLang="en-US" dirty="0">
+              <a:solidFill>
+                <a:schemeClr val="bg1"/>
+              </a:solidFill>
+            </a:endParaRPr>
           </a:p>
         </p:txBody>
       </p:sp>
